--- a/static_files/presentations/day1_L2.pptx
+++ b/static_files/presentations/day1_L2.pptx
@@ -221,7 +221,7 @@
           <a:p>
             <a:fld id="{16307016-25D8-4BC2-BB4B-FAE4A525949F}" type="datetimeFigureOut">
               <a:rPr lang="en-GB" smtClean="0"/>
-              <a:t>31/05/2023</a:t>
+              <a:t>01/06/2023</a:t>
             </a:fld>
             <a:endParaRPr lang="en-GB"/>
           </a:p>
@@ -638,7 +638,7 @@
           <a:p>
             <a:fld id="{11F669C7-7A17-4CCD-8CB1-7061BCD24804}" type="datetime1">
               <a:rPr lang="en-GB" smtClean="0"/>
-              <a:t>31/05/2023</a:t>
+              <a:t>01/06/2023</a:t>
             </a:fld>
             <a:endParaRPr lang="en-GB"/>
           </a:p>
@@ -838,7 +838,7 @@
           <a:p>
             <a:fld id="{771A71A1-6900-495C-B874-9959308B4C93}" type="datetime1">
               <a:rPr lang="en-GB" smtClean="0"/>
-              <a:t>31/05/2023</a:t>
+              <a:t>01/06/2023</a:t>
             </a:fld>
             <a:endParaRPr lang="en-GB"/>
           </a:p>
@@ -1048,7 +1048,7 @@
           <a:p>
             <a:fld id="{8D7F21C8-BBB9-42CC-AC12-00150BB99C7E}" type="datetime1">
               <a:rPr lang="en-GB" smtClean="0"/>
-              <a:t>31/05/2023</a:t>
+              <a:t>01/06/2023</a:t>
             </a:fld>
             <a:endParaRPr lang="en-GB"/>
           </a:p>
@@ -1252,7 +1252,7 @@
           <a:p>
             <a:fld id="{89D2D040-D776-421F-8062-D195E1E97B87}" type="datetime1">
               <a:rPr lang="en-GB" smtClean="0"/>
-              <a:t>31/05/2023</a:t>
+              <a:t>01/06/2023</a:t>
             </a:fld>
             <a:endParaRPr lang="en-GB"/>
           </a:p>
@@ -1422,7 +1422,7 @@
           <a:p>
             <a:fld id="{06E9BB7B-4214-4213-99D1-A6727B2609F1}" type="datetime1">
               <a:rPr lang="en-GB" smtClean="0"/>
-              <a:t>31/05/2023</a:t>
+              <a:t>01/06/2023</a:t>
             </a:fld>
             <a:endParaRPr lang="en-GB"/>
           </a:p>
@@ -1668,7 +1668,7 @@
           <a:p>
             <a:fld id="{AFF2EC55-66F4-4F63-9CBC-88C380ADD6C2}" type="datetime1">
               <a:rPr lang="en-GB" smtClean="0"/>
-              <a:t>31/05/2023</a:t>
+              <a:t>01/06/2023</a:t>
             </a:fld>
             <a:endParaRPr lang="en-GB"/>
           </a:p>
@@ -1900,7 +1900,7 @@
           <a:p>
             <a:fld id="{54603189-9484-475F-8B9C-F2F9A36E46E3}" type="datetime1">
               <a:rPr lang="en-GB" smtClean="0"/>
-              <a:t>31/05/2023</a:t>
+              <a:t>01/06/2023</a:t>
             </a:fld>
             <a:endParaRPr lang="en-GB"/>
           </a:p>
@@ -2267,7 +2267,7 @@
           <a:p>
             <a:fld id="{0120AD76-C8C1-4BBB-BD02-980693F31BD8}" type="datetime1">
               <a:rPr lang="en-GB" smtClean="0"/>
-              <a:t>31/05/2023</a:t>
+              <a:t>01/06/2023</a:t>
             </a:fld>
             <a:endParaRPr lang="en-GB"/>
           </a:p>
@@ -2385,7 +2385,7 @@
           <a:p>
             <a:fld id="{1B2B0ADB-77B8-4269-B267-143D53027ED1}" type="datetime1">
               <a:rPr lang="en-GB" smtClean="0"/>
-              <a:t>31/05/2023</a:t>
+              <a:t>01/06/2023</a:t>
             </a:fld>
             <a:endParaRPr lang="en-GB"/>
           </a:p>
@@ -2480,7 +2480,7 @@
           <a:p>
             <a:fld id="{F9ADCF35-7E23-421D-BC05-C1D41853B668}" type="datetime1">
               <a:rPr lang="en-GB" smtClean="0"/>
-              <a:t>31/05/2023</a:t>
+              <a:t>01/06/2023</a:t>
             </a:fld>
             <a:endParaRPr lang="en-GB"/>
           </a:p>
@@ -2757,7 +2757,7 @@
           <a:p>
             <a:fld id="{8D61A508-674B-415A-9402-34518A624310}" type="datetime1">
               <a:rPr lang="en-GB" smtClean="0"/>
-              <a:t>31/05/2023</a:t>
+              <a:t>01/06/2023</a:t>
             </a:fld>
             <a:endParaRPr lang="en-GB"/>
           </a:p>
@@ -2995,7 +2995,7 @@
           <a:p>
             <a:fld id="{D37D6E68-3092-4490-918C-A2B06EADF9A2}" type="datetime1">
               <a:rPr lang="en-GB" smtClean="0"/>
-              <a:t>31/05/2023</a:t>
+              <a:t>01/06/2023</a:t>
             </a:fld>
             <a:endParaRPr lang="en-GB"/>
           </a:p>
@@ -3260,7 +3260,7 @@
           <a:p>
             <a:fld id="{D8C75385-CF91-47B0-BD24-9EB65852B128}" type="datetime1">
               <a:rPr lang="en-GB" smtClean="0"/>
-              <a:t>31/05/2023</a:t>
+              <a:t>01/06/2023</a:t>
             </a:fld>
             <a:endParaRPr lang="en-GB"/>
           </a:p>
@@ -3430,7 +3430,7 @@
           <a:p>
             <a:fld id="{4E98327B-5091-4236-9BB9-AC6EBD4A5F5F}" type="datetime1">
               <a:rPr lang="en-GB" smtClean="0"/>
-              <a:t>31/05/2023</a:t>
+              <a:t>01/06/2023</a:t>
             </a:fld>
             <a:endParaRPr lang="en-GB"/>
           </a:p>
@@ -3610,7 +3610,7 @@
           <a:p>
             <a:fld id="{A5606652-10DF-428B-9F82-37DAD96B383E}" type="datetime1">
               <a:rPr lang="en-GB" smtClean="0"/>
-              <a:t>31/05/2023</a:t>
+              <a:t>01/06/2023</a:t>
             </a:fld>
             <a:endParaRPr lang="en-GB"/>
           </a:p>
@@ -3881,7 +3881,7 @@
           <a:p>
             <a:fld id="{7AE32D97-B18D-4889-AFA3-2A3CAE641E9E}" type="datetime1">
               <a:rPr lang="en-GB" smtClean="0"/>
-              <a:t>31/05/2023</a:t>
+              <a:t>01/06/2023</a:t>
             </a:fld>
             <a:endParaRPr lang="en-GB"/>
           </a:p>
@@ -4235,7 +4235,7 @@
           <a:p>
             <a:fld id="{515641AF-2FDF-4C8B-AC4B-8766A1C986E8}" type="datetime1">
               <a:rPr lang="en-GB" smtClean="0"/>
-              <a:t>31/05/2023</a:t>
+              <a:t>01/06/2023</a:t>
             </a:fld>
             <a:endParaRPr lang="en-GB"/>
           </a:p>
@@ -4650,7 +4650,7 @@
           <a:p>
             <a:fld id="{EFF67085-1982-4C14-8B2D-8EA11412650B}" type="datetime1">
               <a:rPr lang="en-GB" smtClean="0"/>
-              <a:t>31/05/2023</a:t>
+              <a:t>01/06/2023</a:t>
             </a:fld>
             <a:endParaRPr lang="en-GB"/>
           </a:p>
@@ -4792,7 +4792,7 @@
           <a:p>
             <a:fld id="{098BB1D7-0008-425F-97D9-8954E7C65A82}" type="datetime1">
               <a:rPr lang="en-GB" smtClean="0"/>
-              <a:t>31/05/2023</a:t>
+              <a:t>01/06/2023</a:t>
             </a:fld>
             <a:endParaRPr lang="en-GB"/>
           </a:p>
@@ -4905,7 +4905,7 @@
           <a:p>
             <a:fld id="{A5522E4A-C814-440B-AD72-3981FA38E07F}" type="datetime1">
               <a:rPr lang="en-GB" smtClean="0"/>
-              <a:t>31/05/2023</a:t>
+              <a:t>01/06/2023</a:t>
             </a:fld>
             <a:endParaRPr lang="en-GB"/>
           </a:p>
@@ -5218,7 +5218,7 @@
           <a:p>
             <a:fld id="{420DD681-88E1-460B-B14F-1054A3F2FAB9}" type="datetime1">
               <a:rPr lang="en-GB" smtClean="0"/>
-              <a:t>31/05/2023</a:t>
+              <a:t>01/06/2023</a:t>
             </a:fld>
             <a:endParaRPr lang="en-GB"/>
           </a:p>
@@ -5507,7 +5507,7 @@
           <a:p>
             <a:fld id="{B7BD4BAD-31D4-4B25-AA8F-BE7D4D923105}" type="datetime1">
               <a:rPr lang="en-GB" smtClean="0"/>
-              <a:t>31/05/2023</a:t>
+              <a:t>01/06/2023</a:t>
             </a:fld>
             <a:endParaRPr lang="en-GB"/>
           </a:p>
@@ -5750,7 +5750,7 @@
           <a:p>
             <a:fld id="{E4A8E2D1-6F41-4CAA-98AC-7D170829A9E4}" type="datetime1">
               <a:rPr lang="en-GB" smtClean="0"/>
-              <a:t>31/05/2023</a:t>
+              <a:t>01/06/2023</a:t>
             </a:fld>
             <a:endParaRPr lang="en-GB"/>
           </a:p>
@@ -6306,7 +6306,7 @@
           <a:p>
             <a:fld id="{3EAD627B-9FDD-4D3C-A980-3F822DFF4122}" type="datetime1">
               <a:rPr lang="en-GB" smtClean="0"/>
-              <a:t>31/05/2023</a:t>
+              <a:t>01/06/2023</a:t>
             </a:fld>
             <a:endParaRPr lang="en-GB"/>
           </a:p>
